--- a/icons/internal/types/cpp/cpp.pptx
+++ b/icons/internal/types/cpp/cpp.pptx
@@ -305,7 +305,7 @@
             <a:fld id="{1D8BD707-D9CF-40AE-B4C6-C98DA3205C09}" type="datetimeFigureOut">
               <a:rPr lang="en-US" smtClean="0"/>
               <a:pPr/>
-              <a:t>6/17/2014</a:t>
+              <a:t>6/18/2014</a:t>
             </a:fld>
             <a:endParaRPr lang="en-US"/>
           </a:p>
@@ -472,7 +472,7 @@
             <a:fld id="{1D8BD707-D9CF-40AE-B4C6-C98DA3205C09}" type="datetimeFigureOut">
               <a:rPr lang="en-US" smtClean="0"/>
               <a:pPr/>
-              <a:t>6/17/2014</a:t>
+              <a:t>6/18/2014</a:t>
             </a:fld>
             <a:endParaRPr lang="en-US"/>
           </a:p>
@@ -649,7 +649,7 @@
             <a:fld id="{1D8BD707-D9CF-40AE-B4C6-C98DA3205C09}" type="datetimeFigureOut">
               <a:rPr lang="en-US" smtClean="0"/>
               <a:pPr/>
-              <a:t>6/17/2014</a:t>
+              <a:t>6/18/2014</a:t>
             </a:fld>
             <a:endParaRPr lang="en-US"/>
           </a:p>
@@ -816,7 +816,7 @@
             <a:fld id="{1D8BD707-D9CF-40AE-B4C6-C98DA3205C09}" type="datetimeFigureOut">
               <a:rPr lang="en-US" smtClean="0"/>
               <a:pPr/>
-              <a:t>6/17/2014</a:t>
+              <a:t>6/18/2014</a:t>
             </a:fld>
             <a:endParaRPr lang="en-US"/>
           </a:p>
@@ -1059,7 +1059,7 @@
             <a:fld id="{1D8BD707-D9CF-40AE-B4C6-C98DA3205C09}" type="datetimeFigureOut">
               <a:rPr lang="en-US" smtClean="0"/>
               <a:pPr/>
-              <a:t>6/17/2014</a:t>
+              <a:t>6/18/2014</a:t>
             </a:fld>
             <a:endParaRPr lang="en-US"/>
           </a:p>
@@ -1344,7 +1344,7 @@
             <a:fld id="{1D8BD707-D9CF-40AE-B4C6-C98DA3205C09}" type="datetimeFigureOut">
               <a:rPr lang="en-US" smtClean="0"/>
               <a:pPr/>
-              <a:t>6/17/2014</a:t>
+              <a:t>6/18/2014</a:t>
             </a:fld>
             <a:endParaRPr lang="en-US"/>
           </a:p>
@@ -1763,7 +1763,7 @@
             <a:fld id="{1D8BD707-D9CF-40AE-B4C6-C98DA3205C09}" type="datetimeFigureOut">
               <a:rPr lang="en-US" smtClean="0"/>
               <a:pPr/>
-              <a:t>6/17/2014</a:t>
+              <a:t>6/18/2014</a:t>
             </a:fld>
             <a:endParaRPr lang="en-US"/>
           </a:p>
@@ -1878,7 +1878,7 @@
             <a:fld id="{1D8BD707-D9CF-40AE-B4C6-C98DA3205C09}" type="datetimeFigureOut">
               <a:rPr lang="en-US" smtClean="0"/>
               <a:pPr/>
-              <a:t>6/17/2014</a:t>
+              <a:t>6/18/2014</a:t>
             </a:fld>
             <a:endParaRPr lang="en-US"/>
           </a:p>
@@ -1970,7 +1970,7 @@
             <a:fld id="{1D8BD707-D9CF-40AE-B4C6-C98DA3205C09}" type="datetimeFigureOut">
               <a:rPr lang="en-US" smtClean="0"/>
               <a:pPr/>
-              <a:t>6/17/2014</a:t>
+              <a:t>6/18/2014</a:t>
             </a:fld>
             <a:endParaRPr lang="en-US"/>
           </a:p>
@@ -2244,7 +2244,7 @@
             <a:fld id="{1D8BD707-D9CF-40AE-B4C6-C98DA3205C09}" type="datetimeFigureOut">
               <a:rPr lang="en-US" smtClean="0"/>
               <a:pPr/>
-              <a:t>6/17/2014</a:t>
+              <a:t>6/18/2014</a:t>
             </a:fld>
             <a:endParaRPr lang="en-US"/>
           </a:p>
@@ -2494,7 +2494,7 @@
             <a:fld id="{1D8BD707-D9CF-40AE-B4C6-C98DA3205C09}" type="datetimeFigureOut">
               <a:rPr lang="en-US" smtClean="0"/>
               <a:pPr/>
-              <a:t>6/17/2014</a:t>
+              <a:t>6/18/2014</a:t>
             </a:fld>
             <a:endParaRPr lang="en-US"/>
           </a:p>
@@ -2704,7 +2704,7 @@
             <a:fld id="{1D8BD707-D9CF-40AE-B4C6-C98DA3205C09}" type="datetimeFigureOut">
               <a:rPr lang="en-US" smtClean="0"/>
               <a:pPr/>
-              <a:t>6/17/2014</a:t>
+              <a:t>6/18/2014</a:t>
             </a:fld>
             <a:endParaRPr lang="en-US"/>
           </a:p>
@@ -3127,9 +3127,9 @@
         <p:grpSpPr>
           <a:xfrm>
             <a:off x="1371600" y="1371177"/>
-            <a:ext cx="6812280" cy="8184303"/>
+            <a:ext cx="7498080" cy="8595783"/>
             <a:chOff x="1371600" y="1371177"/>
-            <a:chExt cx="6812280" cy="8184303"/>
+            <a:chExt cx="7498080" cy="8595783"/>
           </a:xfrm>
           <a:scene3d>
             <a:camera prst="perspectiveRight"/>
@@ -3150,6 +3150,9 @@
             <a:prstGeom prst="foldedCorner">
               <a:avLst/>
             </a:prstGeom>
+            <a:sp3d>
+              <a:bevelT w="63500" h="25400"/>
+            </a:sp3d>
           </p:spPr>
           <p:style>
             <a:lnRef idx="0">
@@ -3186,8 +3189,8 @@
           </p:nvSpPr>
           <p:spPr>
             <a:xfrm>
-              <a:off x="1783080" y="3154680"/>
-              <a:ext cx="6400800" cy="6400800"/>
+              <a:off x="1554480" y="2651760"/>
+              <a:ext cx="7315200" cy="7315200"/>
             </a:xfrm>
             <a:prstGeom prst="rect">
               <a:avLst/>
@@ -3201,20 +3204,30 @@
             <a:lstStyle/>
             <a:p>
               <a:r>
-                <a:rPr lang="en-US" sz="20000" dirty="0" smtClean="0">
+                <a:rPr lang="en-US" sz="25000" dirty="0" smtClean="0">
                   <a:solidFill>
                     <a:schemeClr val="bg1"/>
                   </a:solidFill>
                   <a:latin typeface="Aharoni" panose="02010803020104030203" pitchFamily="2" charset="-79"/>
                   <a:cs typeface="Aharoni" panose="02010803020104030203" pitchFamily="2" charset="-79"/>
                 </a:rPr>
-                <a:t>.CPP</a:t>
+                <a:t>.C</a:t>
               </a:r>
-              <a:endParaRPr lang="en-US" sz="20000" dirty="0">
+              <a:r>
+                <a:rPr lang="en-US" sz="25000" b="1" dirty="0" smtClean="0">
+                  <a:solidFill>
+                    <a:schemeClr val="bg1"/>
+                  </a:solidFill>
+                  <a:latin typeface="Agency FB" panose="020B0503020202020204" pitchFamily="34" charset="0"/>
+                  <a:cs typeface="Aharoni" panose="02010803020104030203" pitchFamily="2" charset="-79"/>
+                </a:rPr>
+                <a:t>++</a:t>
+              </a:r>
+              <a:endParaRPr lang="en-US" sz="25000" b="1" dirty="0">
                 <a:solidFill>
                   <a:schemeClr val="bg1"/>
                 </a:solidFill>
-                <a:latin typeface="Aharoni" panose="02010803020104030203" pitchFamily="2" charset="-79"/>
+                <a:latin typeface="Agency FB" panose="020B0503020202020204" pitchFamily="34" charset="0"/>
                 <a:cs typeface="Aharoni" panose="02010803020104030203" pitchFamily="2" charset="-79"/>
               </a:endParaRPr>
             </a:p>
